--- a/JP Morgan Code for Good 2017 Presentation.pptx
+++ b/JP Morgan Code for Good 2017 Presentation.pptx
@@ -6,15 +6,9 @@
   </p:sldMasterIdLst>
   <p:sldIdLst>
     <p:sldId id="256" r:id="rId2"/>
-    <p:sldId id="258" r:id="rId3"/>
-    <p:sldId id="262" r:id="rId4"/>
-    <p:sldId id="263" r:id="rId5"/>
-    <p:sldId id="266" r:id="rId6"/>
-    <p:sldId id="267" r:id="rId7"/>
-    <p:sldId id="260" r:id="rId8"/>
-    <p:sldId id="261" r:id="rId9"/>
-    <p:sldId id="268" r:id="rId10"/>
-    <p:sldId id="265" r:id="rId11"/>
+    <p:sldId id="266" r:id="rId3"/>
+    <p:sldId id="260" r:id="rId4"/>
+    <p:sldId id="268" r:id="rId5"/>
   </p:sldIdLst>
   <p:sldSz cx="12192000" cy="6858000"/>
   <p:notesSz cx="6858000" cy="9144000"/>
@@ -312,7 +306,7 @@
           <a:p>
             <a:fld id="{5CFDCBA5-D40E-4D2F-BC8C-AAD815F50771}" type="datetimeFigureOut">
               <a:rPr lang="en-US" smtClean="0"/>
-              <a:t>10/21/17</a:t>
+              <a:t>10/21/2017</a:t>
             </a:fld>
             <a:endParaRPr lang="en-US"/>
           </a:p>
@@ -748,7 +742,7 @@
           <a:p>
             <a:fld id="{5CFDCBA5-D40E-4D2F-BC8C-AAD815F50771}" type="datetimeFigureOut">
               <a:rPr lang="en-US" smtClean="0"/>
-              <a:t>10/21/17</a:t>
+              <a:t>10/21/2017</a:t>
             </a:fld>
             <a:endParaRPr lang="en-US"/>
           </a:p>
@@ -998,7 +992,7 @@
           <a:p>
             <a:fld id="{5CFDCBA5-D40E-4D2F-BC8C-AAD815F50771}" type="datetimeFigureOut">
               <a:rPr lang="en-US" smtClean="0"/>
-              <a:t>10/21/17</a:t>
+              <a:t>10/21/2017</a:t>
             </a:fld>
             <a:endParaRPr lang="en-US"/>
           </a:p>
@@ -1306,7 +1300,7 @@
           <a:p>
             <a:fld id="{5CFDCBA5-D40E-4D2F-BC8C-AAD815F50771}" type="datetimeFigureOut">
               <a:rPr lang="en-US" smtClean="0"/>
-              <a:t>10/21/17</a:t>
+              <a:t>10/21/2017</a:t>
             </a:fld>
             <a:endParaRPr lang="en-US"/>
           </a:p>
@@ -1624,7 +1618,7 @@
           <a:p>
             <a:fld id="{5CFDCBA5-D40E-4D2F-BC8C-AAD815F50771}" type="datetimeFigureOut">
               <a:rPr lang="en-US" smtClean="0"/>
-              <a:t>10/21/17</a:t>
+              <a:t>10/21/2017</a:t>
             </a:fld>
             <a:endParaRPr lang="en-US"/>
           </a:p>
@@ -1926,7 +1920,7 @@
           <a:p>
             <a:fld id="{5CFDCBA5-D40E-4D2F-BC8C-AAD815F50771}" type="datetimeFigureOut">
               <a:rPr lang="en-US" smtClean="0"/>
-              <a:t>10/21/17</a:t>
+              <a:t>10/21/2017</a:t>
             </a:fld>
             <a:endParaRPr lang="en-US"/>
           </a:p>
@@ -2293,7 +2287,7 @@
           <a:p>
             <a:fld id="{5CFDCBA5-D40E-4D2F-BC8C-AAD815F50771}" type="datetimeFigureOut">
               <a:rPr lang="en-US" smtClean="0"/>
-              <a:t>10/21/17</a:t>
+              <a:t>10/21/2017</a:t>
             </a:fld>
             <a:endParaRPr lang="en-US"/>
           </a:p>
@@ -2467,7 +2461,7 @@
           <a:p>
             <a:fld id="{5CFDCBA5-D40E-4D2F-BC8C-AAD815F50771}" type="datetimeFigureOut">
               <a:rPr lang="en-US" smtClean="0"/>
-              <a:t>10/21/17</a:t>
+              <a:t>10/21/2017</a:t>
             </a:fld>
             <a:endParaRPr lang="en-US"/>
           </a:p>
@@ -2647,7 +2641,7 @@
           <a:p>
             <a:fld id="{5CFDCBA5-D40E-4D2F-BC8C-AAD815F50771}" type="datetimeFigureOut">
               <a:rPr lang="en-US" smtClean="0"/>
-              <a:t>10/21/17</a:t>
+              <a:t>10/21/2017</a:t>
             </a:fld>
             <a:endParaRPr lang="en-US"/>
           </a:p>
@@ -2817,7 +2811,7 @@
           <a:p>
             <a:fld id="{5CFDCBA5-D40E-4D2F-BC8C-AAD815F50771}" type="datetimeFigureOut">
               <a:rPr lang="en-US" smtClean="0"/>
-              <a:t>10/21/17</a:t>
+              <a:t>10/21/2017</a:t>
             </a:fld>
             <a:endParaRPr lang="en-US"/>
           </a:p>
@@ -3067,7 +3061,7 @@
           <a:p>
             <a:fld id="{5CFDCBA5-D40E-4D2F-BC8C-AAD815F50771}" type="datetimeFigureOut">
               <a:rPr lang="en-US" smtClean="0"/>
-              <a:t>10/21/17</a:t>
+              <a:t>10/21/2017</a:t>
             </a:fld>
             <a:endParaRPr lang="en-US"/>
           </a:p>
@@ -3303,7 +3297,7 @@
           <a:p>
             <a:fld id="{5CFDCBA5-D40E-4D2F-BC8C-AAD815F50771}" type="datetimeFigureOut">
               <a:rPr lang="en-US" smtClean="0"/>
-              <a:t>10/21/17</a:t>
+              <a:t>10/21/2017</a:t>
             </a:fld>
             <a:endParaRPr lang="en-US"/>
           </a:p>
@@ -3685,7 +3679,7 @@
           <a:p>
             <a:fld id="{5CFDCBA5-D40E-4D2F-BC8C-AAD815F50771}" type="datetimeFigureOut">
               <a:rPr lang="en-US" smtClean="0"/>
-              <a:t>10/21/17</a:t>
+              <a:t>10/21/2017</a:t>
             </a:fld>
             <a:endParaRPr lang="en-US"/>
           </a:p>
@@ -3803,7 +3797,7 @@
           <a:p>
             <a:fld id="{5CFDCBA5-D40E-4D2F-BC8C-AAD815F50771}" type="datetimeFigureOut">
               <a:rPr lang="en-US" smtClean="0"/>
-              <a:t>10/21/17</a:t>
+              <a:t>10/21/2017</a:t>
             </a:fld>
             <a:endParaRPr lang="en-US"/>
           </a:p>
@@ -3898,7 +3892,7 @@
           <a:p>
             <a:fld id="{5CFDCBA5-D40E-4D2F-BC8C-AAD815F50771}" type="datetimeFigureOut">
               <a:rPr lang="en-US" smtClean="0"/>
-              <a:t>10/21/17</a:t>
+              <a:t>10/21/2017</a:t>
             </a:fld>
             <a:endParaRPr lang="en-US"/>
           </a:p>
@@ -4153,7 +4147,7 @@
           <a:p>
             <a:fld id="{5CFDCBA5-D40E-4D2F-BC8C-AAD815F50771}" type="datetimeFigureOut">
               <a:rPr lang="en-US" smtClean="0"/>
-              <a:t>10/21/17</a:t>
+              <a:t>10/21/2017</a:t>
             </a:fld>
             <a:endParaRPr lang="en-US"/>
           </a:p>
@@ -4436,7 +4430,7 @@
           <a:p>
             <a:fld id="{5CFDCBA5-D40E-4D2F-BC8C-AAD815F50771}" type="datetimeFigureOut">
               <a:rPr lang="en-US" smtClean="0"/>
-              <a:t>10/21/17</a:t>
+              <a:t>10/21/2017</a:t>
             </a:fld>
             <a:endParaRPr lang="en-US"/>
           </a:p>
@@ -4842,7 +4836,7 @@
           <a:p>
             <a:fld id="{5CFDCBA5-D40E-4D2F-BC8C-AAD815F50771}" type="datetimeFigureOut">
               <a:rPr lang="en-US" smtClean="0"/>
-              <a:t>10/21/17</a:t>
+              <a:t>10/21/2017</a:t>
             </a:fld>
             <a:endParaRPr lang="en-US"/>
           </a:p>
@@ -5382,7 +5376,7 @@
           <p:cNvPr id="2" name="Title 1">
             <a:extLst>
               <a:ext uri="{FF2B5EF4-FFF2-40B4-BE49-F238E27FC236}">
-                <a16:creationId xmlns:a16="http://schemas.microsoft.com/office/drawing/2014/main" xmlns="" id="{3182C827-3947-40A5-9934-534D21840C59}"/>
+                <a16:creationId xmlns="" xmlns:a16="http://schemas.microsoft.com/office/drawing/2014/main" id="{3182C827-3947-40A5-9934-534D21840C59}"/>
               </a:ext>
             </a:extLst>
           </p:cNvPr>
@@ -5412,7 +5406,7 @@
           <p:cNvPr id="3" name="Subtitle 2">
             <a:extLst>
               <a:ext uri="{FF2B5EF4-FFF2-40B4-BE49-F238E27FC236}">
-                <a16:creationId xmlns:a16="http://schemas.microsoft.com/office/drawing/2014/main" xmlns="" id="{AD204303-488A-4BBF-88F7-DA820A191997}"/>
+                <a16:creationId xmlns="" xmlns:a16="http://schemas.microsoft.com/office/drawing/2014/main" id="{AD204303-488A-4BBF-88F7-DA820A191997}"/>
               </a:ext>
             </a:extLst>
           </p:cNvPr>
@@ -5534,140 +5528,40 @@
           </a:p>
         </p:txBody>
       </p:sp>
+      <p:pic>
+        <p:nvPicPr>
+          <p:cNvPr id="4" name="Picture 3"/>
+          <p:cNvPicPr>
+            <a:picLocks noChangeAspect="1"/>
+          </p:cNvPicPr>
+          <p:nvPr/>
+        </p:nvPicPr>
+        <p:blipFill>
+          <a:blip r:embed="rId2">
+            <a:extLst>
+              <a:ext uri="{28A0092B-C50C-407E-A947-70E740481C1C}">
+                <a14:useLocalDpi xmlns:a14="http://schemas.microsoft.com/office/drawing/2010/main" val="0"/>
+              </a:ext>
+            </a:extLst>
+          </a:blip>
+          <a:stretch>
+            <a:fillRect/>
+          </a:stretch>
+        </p:blipFill>
+        <p:spPr>
+          <a:xfrm>
+            <a:off x="9379936" y="4089681"/>
+            <a:ext cx="2429774" cy="2429774"/>
+          </a:xfrm>
+          <a:prstGeom prst="rect">
+            <a:avLst/>
+          </a:prstGeom>
+        </p:spPr>
+      </p:pic>
     </p:spTree>
     <p:extLst>
       <p:ext uri="{BB962C8B-B14F-4D97-AF65-F5344CB8AC3E}">
         <p14:creationId xmlns:p14="http://schemas.microsoft.com/office/powerpoint/2010/main" val="2002740942"/>
-      </p:ext>
-    </p:extLst>
-  </p:cSld>
-  <p:clrMapOvr>
-    <a:masterClrMapping/>
-  </p:clrMapOvr>
-</p:sld>
-</file>
-
-<file path=ppt/slides/slide10.xml><?xml version="1.0" encoding="utf-8"?>
-<p:sld xmlns:a="http://schemas.openxmlformats.org/drawingml/2006/main" xmlns:r="http://schemas.openxmlformats.org/officeDocument/2006/relationships" xmlns:p="http://schemas.openxmlformats.org/presentationml/2006/main">
-  <p:cSld>
-    <p:spTree>
-      <p:nvGrpSpPr>
-        <p:cNvPr id="1" name=""/>
-        <p:cNvGrpSpPr/>
-        <p:nvPr/>
-      </p:nvGrpSpPr>
-      <p:grpSpPr>
-        <a:xfrm>
-          <a:off x="0" y="0"/>
-          <a:ext cx="0" cy="0"/>
-          <a:chOff x="0" y="0"/>
-          <a:chExt cx="0" cy="0"/>
-        </a:xfrm>
-      </p:grpSpPr>
-      <p:sp>
-        <p:nvSpPr>
-          <p:cNvPr id="2" name="Title 1">
-            <a:extLst>
-              <a:ext uri="{FF2B5EF4-FFF2-40B4-BE49-F238E27FC236}">
-                <a16:creationId xmlns:a16="http://schemas.microsoft.com/office/drawing/2014/main" xmlns="" id="{5215A95E-1A6C-4BDB-A77F-66B9DA3EF616}"/>
-              </a:ext>
-            </a:extLst>
-          </p:cNvPr>
-          <p:cNvSpPr>
-            <a:spLocks noGrp="1"/>
-          </p:cNvSpPr>
-          <p:nvPr>
-            <p:ph type="title"/>
-          </p:nvPr>
-        </p:nvSpPr>
-        <p:spPr>
-          <a:xfrm>
-            <a:off x="684212" y="336247"/>
-            <a:ext cx="8534400" cy="1507067"/>
-          </a:xfrm>
-        </p:spPr>
-        <p:txBody>
-          <a:bodyPr/>
-          <a:lstStyle/>
-          <a:p>
-            <a:r>
-              <a:rPr lang="en-US" dirty="0"/>
-              <a:t>Acknowledgements</a:t>
-            </a:r>
-          </a:p>
-        </p:txBody>
-      </p:sp>
-      <p:sp>
-        <p:nvSpPr>
-          <p:cNvPr id="3" name="Content Placeholder 2">
-            <a:extLst>
-              <a:ext uri="{FF2B5EF4-FFF2-40B4-BE49-F238E27FC236}">
-                <a16:creationId xmlns:a16="http://schemas.microsoft.com/office/drawing/2014/main" xmlns="" id="{3DAA9900-5556-47AD-A457-A542F9FEE028}"/>
-              </a:ext>
-            </a:extLst>
-          </p:cNvPr>
-          <p:cNvSpPr>
-            <a:spLocks noGrp="1"/>
-          </p:cNvSpPr>
-          <p:nvPr>
-            <p:ph idx="1"/>
-          </p:nvPr>
-        </p:nvSpPr>
-        <p:spPr>
-          <a:xfrm>
-            <a:off x="959984" y="1399420"/>
-            <a:ext cx="8534400" cy="3615267"/>
-          </a:xfrm>
-        </p:spPr>
-        <p:txBody>
-          <a:bodyPr/>
-          <a:lstStyle/>
-          <a:p>
-            <a:pPr marL="0" marR="0" lvl="0" indent="0" defTabSz="914400" eaLnBrk="1" fontAlgn="auto" latinLnBrk="0" hangingPunct="1">
-              <a:lnSpc>
-                <a:spcPct val="100000"/>
-              </a:lnSpc>
-              <a:spcBef>
-                <a:spcPts val="0"/>
-              </a:spcBef>
-              <a:spcAft>
-                <a:spcPts val="0"/>
-              </a:spcAft>
-              <a:buClrTx/>
-              <a:buSzTx/>
-              <a:buFont typeface="Arial" panose="020B0604020202020204" pitchFamily="34" charset="0"/>
-              <a:buNone/>
-              <a:tabLst/>
-              <a:defRPr/>
-            </a:pPr>
-            <a:r>
-              <a:rPr lang="en-US" dirty="0" smtClean="0">
-                <a:solidFill>
-                  <a:schemeClr val="tx1"/>
-                </a:solidFill>
-              </a:rPr>
-              <a:t>Thank you all for your support and guidance. </a:t>
-            </a:r>
-            <a:r>
-              <a:rPr lang="en-US" dirty="0" smtClean="0">
-                <a:solidFill>
-                  <a:schemeClr val="tx1"/>
-                </a:solidFill>
-              </a:rPr>
-              <a:t>Remember, small guppy actions, lead to big whale reactions</a:t>
-            </a:r>
-            <a:endParaRPr lang="en-US" dirty="0" smtClean="0">
-              <a:solidFill>
-                <a:schemeClr val="tx1"/>
-              </a:solidFill>
-            </a:endParaRPr>
-          </a:p>
-        </p:txBody>
-      </p:sp>
-    </p:spTree>
-    <p:extLst>
-      <p:ext uri="{BB962C8B-B14F-4D97-AF65-F5344CB8AC3E}">
-        <p14:creationId xmlns:p14="http://schemas.microsoft.com/office/powerpoint/2010/main" val="2032160235"/>
       </p:ext>
     </p:extLst>
   </p:cSld>
@@ -5699,7 +5593,7 @@
           <p:cNvPr id="2" name="Title 1">
             <a:extLst>
               <a:ext uri="{FF2B5EF4-FFF2-40B4-BE49-F238E27FC236}">
-                <a16:creationId xmlns:a16="http://schemas.microsoft.com/office/drawing/2014/main" xmlns="" id="{5215A95E-1A6C-4BDB-A77F-66B9DA3EF616}"/>
+                <a16:creationId xmlns="" xmlns:a16="http://schemas.microsoft.com/office/drawing/2014/main" id="{5215A95E-1A6C-4BDB-A77F-66B9DA3EF616}"/>
               </a:ext>
             </a:extLst>
           </p:cNvPr>
@@ -5721,8 +5615,12 @@
           <a:lstStyle/>
           <a:p>
             <a:r>
+              <a:rPr lang="en-US" dirty="0" smtClean="0"/>
+              <a:t>Our Solution </a:t>
+            </a:r>
+            <a:r>
               <a:rPr lang="en-US" dirty="0"/>
-              <a:t>Background</a:t>
+              <a:t>to the challenge</a:t>
             </a:r>
           </a:p>
         </p:txBody>
@@ -5732,7 +5630,7 @@
           <p:cNvPr id="3" name="Content Placeholder 2">
             <a:extLst>
               <a:ext uri="{FF2B5EF4-FFF2-40B4-BE49-F238E27FC236}">
-                <a16:creationId xmlns:a16="http://schemas.microsoft.com/office/drawing/2014/main" xmlns="" id="{3DAA9900-5556-47AD-A457-A542F9FEE028}"/>
+                <a16:creationId xmlns="" xmlns:a16="http://schemas.microsoft.com/office/drawing/2014/main" id="{3DAA9900-5556-47AD-A457-A542F9FEE028}"/>
               </a:ext>
             </a:extLst>
           </p:cNvPr>
@@ -5745,7 +5643,7 @@
         </p:nvSpPr>
         <p:spPr>
           <a:xfrm>
-            <a:off x="684212" y="874485"/>
+            <a:off x="684212" y="1607365"/>
             <a:ext cx="8534400" cy="3615267"/>
           </a:xfrm>
         </p:spPr>
@@ -5758,59 +5656,125 @@
               <a:buChar char="•"/>
             </a:pPr>
             <a:r>
-              <a:rPr lang="en-US" dirty="0">
+              <a:rPr lang="en-US" dirty="0" err="1" smtClean="0">
                 <a:solidFill>
                   <a:schemeClr val="tx1"/>
                 </a:solidFill>
               </a:rPr>
-              <a:t>“An estimated </a:t>
-            </a:r>
-            <a:r>
-              <a:rPr lang="en-US" b="1" dirty="0">
+              <a:t>FinFun</a:t>
+            </a:r>
+            <a:r>
+              <a:rPr lang="en-US" dirty="0" smtClean="0">
                 <a:solidFill>
                   <a:schemeClr val="tx1"/>
                 </a:solidFill>
               </a:rPr>
-              <a:t>50-80% of all life on earth</a:t>
-            </a:r>
-            <a:r>
-              <a:rPr lang="en-US" dirty="0">
+              <a:t> - An </a:t>
+            </a:r>
+            <a:r>
+              <a:rPr lang="en-US" dirty="0" smtClean="0">
                 <a:solidFill>
                   <a:schemeClr val="tx1"/>
                 </a:solidFill>
               </a:rPr>
-              <a:t> is found under the ocean surface and the oceans contain </a:t>
-            </a:r>
-            <a:r>
-              <a:rPr lang="en-US" b="1" dirty="0">
+              <a:t>android based game </a:t>
+            </a:r>
+          </a:p>
+          <a:p>
+            <a:pPr>
+              <a:buFont typeface="Arial" panose="020B0604020202020204" pitchFamily="34" charset="0"/>
+              <a:buChar char="•"/>
+            </a:pPr>
+            <a:r>
+              <a:rPr lang="en-US" dirty="0" smtClean="0">
                 <a:solidFill>
                   <a:schemeClr val="tx1"/>
                 </a:solidFill>
               </a:rPr>
-              <a:t>99% of the living space</a:t>
-            </a:r>
-            <a:r>
-              <a:rPr lang="en-US" dirty="0">
+              <a:t>Educates children through positive reinforcement</a:t>
+            </a:r>
+          </a:p>
+          <a:p>
+            <a:pPr>
+              <a:buFont typeface="Arial" panose="020B0604020202020204" pitchFamily="34" charset="0"/>
+              <a:buChar char="•"/>
+            </a:pPr>
+            <a:r>
+              <a:rPr lang="en-US" dirty="0" smtClean="0">
                 <a:solidFill>
                   <a:schemeClr val="tx1"/>
                 </a:solidFill>
               </a:rPr>
-              <a:t> on the planet.” (National Geographic)</a:t>
-            </a:r>
+              <a:t>Presents a challenging and engaging game mode</a:t>
+            </a:r>
+          </a:p>
+          <a:p>
+            <a:pPr>
+              <a:buFont typeface="Arial" panose="020B0604020202020204" pitchFamily="34" charset="0"/>
+              <a:buChar char="•"/>
+            </a:pPr>
+            <a:r>
+              <a:rPr lang="en-US" dirty="0" err="1" smtClean="0">
+                <a:solidFill>
+                  <a:schemeClr val="tx1"/>
+                </a:solidFill>
+              </a:rPr>
+              <a:t>Unlockables</a:t>
+            </a:r>
+            <a:r>
+              <a:rPr lang="en-US" dirty="0" smtClean="0">
+                <a:solidFill>
+                  <a:schemeClr val="tx1"/>
+                </a:solidFill>
+              </a:rPr>
+              <a:t> to keep the attention of children</a:t>
+            </a:r>
+          </a:p>
+          <a:p>
+            <a:pPr lvl="1">
+              <a:buFont typeface="Arial" panose="020B0604020202020204" pitchFamily="34" charset="0"/>
+              <a:buChar char="•"/>
+            </a:pPr>
+            <a:r>
+              <a:rPr lang="en-US" dirty="0" smtClean="0">
+                <a:solidFill>
+                  <a:schemeClr val="tx1"/>
+                </a:solidFill>
+              </a:rPr>
+              <a:t>Accessories, in-game powers, backgrounds</a:t>
+            </a:r>
+            <a:endParaRPr lang="en-US" dirty="0">
+              <a:solidFill>
+                <a:schemeClr val="tx1"/>
+              </a:solidFill>
+            </a:endParaRPr>
+          </a:p>
+          <a:p>
+            <a:pPr>
+              <a:buFont typeface="Arial" panose="020B0604020202020204" pitchFamily="34" charset="0"/>
+              <a:buChar char="•"/>
+            </a:pPr>
+            <a:r>
+              <a:rPr lang="en-US" dirty="0" smtClean="0">
+                <a:solidFill>
+                  <a:schemeClr val="tx1"/>
+                </a:solidFill>
+              </a:rPr>
+              <a:t>Accessible with minimal need for the Internet</a:t>
+            </a:r>
+            <a:endParaRPr lang="en-US" dirty="0">
+              <a:solidFill>
+                <a:schemeClr val="tx1"/>
+              </a:solidFill>
+            </a:endParaRPr>
           </a:p>
         </p:txBody>
       </p:sp>
       <p:pic>
         <p:nvPicPr>
-          <p:cNvPr id="4" name="Picture 2" descr="https://27ml3ckbz243349t7nkxkpyo-wpengine.netdna-ssl.com/wp-content/uploads/2015/06/best-spots_cover.jpg">
-            <a:extLst>
-              <a:ext uri="{FF2B5EF4-FFF2-40B4-BE49-F238E27FC236}">
-                <a16:creationId xmlns:a16="http://schemas.microsoft.com/office/drawing/2014/main" xmlns="" id="{4373A5A4-DAE1-4959-A010-288F3C5CB00A}"/>
-              </a:ext>
-            </a:extLst>
-          </p:cNvPr>
+          <p:cNvPr id="5" name="Picture 4"/>
           <p:cNvPicPr>
-            <a:picLocks noChangeAspect="1" noChangeArrowheads="1"/>
+            <a:picLocks noChangeAspect="1"/>
           </p:cNvPicPr>
           <p:nvPr/>
         </p:nvPicPr>
@@ -5822,35 +5786,54 @@
               </a:ext>
             </a:extLst>
           </a:blip>
-          <a:srcRect/>
           <a:stretch>
             <a:fillRect/>
           </a:stretch>
         </p:blipFill>
-        <p:spPr bwMode="auto">
+        <p:spPr>
           <a:xfrm>
-            <a:off x="3323772" y="3587457"/>
-            <a:ext cx="4150860" cy="2635854"/>
+            <a:off x="808394" y="3709241"/>
+            <a:ext cx="4038930" cy="4038930"/>
           </a:xfrm>
           <a:prstGeom prst="rect">
             <a:avLst/>
           </a:prstGeom>
-          <a:noFill/>
-          <a:extLst>
-            <a:ext uri="{909E8E84-426E-40DD-AFC4-6F175D3DCCD1}">
-              <a14:hiddenFill xmlns:a14="http://schemas.microsoft.com/office/drawing/2010/main">
-                <a:solidFill>
-                  <a:srgbClr val="FFFFFF"/>
-                </a:solidFill>
-              </a14:hiddenFill>
-            </a:ext>
-          </a:extLst>
+        </p:spPr>
+      </p:pic>
+      <p:pic>
+        <p:nvPicPr>
+          <p:cNvPr id="6" name="Picture 5"/>
+          <p:cNvPicPr>
+            <a:picLocks noChangeAspect="1"/>
+          </p:cNvPicPr>
+          <p:nvPr/>
+        </p:nvPicPr>
+        <p:blipFill>
+          <a:blip r:embed="rId3">
+            <a:extLst>
+              <a:ext uri="{28A0092B-C50C-407E-A947-70E740481C1C}">
+                <a14:useLocalDpi xmlns:a14="http://schemas.microsoft.com/office/drawing/2010/main" val="0"/>
+              </a:ext>
+            </a:extLst>
+          </a:blip>
+          <a:stretch>
+            <a:fillRect/>
+          </a:stretch>
+        </p:blipFill>
+        <p:spPr>
+          <a:xfrm>
+            <a:off x="7890476" y="2086862"/>
+            <a:ext cx="2656272" cy="2656272"/>
+          </a:xfrm>
+          <a:prstGeom prst="rect">
+            <a:avLst/>
+          </a:prstGeom>
         </p:spPr>
       </p:pic>
     </p:spTree>
     <p:extLst>
       <p:ext uri="{BB962C8B-B14F-4D97-AF65-F5344CB8AC3E}">
-        <p14:creationId xmlns:p14="http://schemas.microsoft.com/office/powerpoint/2010/main" val="209832126"/>
+        <p14:creationId xmlns:p14="http://schemas.microsoft.com/office/powerpoint/2010/main" val="1662710767"/>
       </p:ext>
     </p:extLst>
   </p:cSld>
@@ -5882,7 +5865,7 @@
           <p:cNvPr id="2" name="Title 1">
             <a:extLst>
               <a:ext uri="{FF2B5EF4-FFF2-40B4-BE49-F238E27FC236}">
-                <a16:creationId xmlns:a16="http://schemas.microsoft.com/office/drawing/2014/main" xmlns="" id="{5215A95E-1A6C-4BDB-A77F-66B9DA3EF616}"/>
+                <a16:creationId xmlns="" xmlns:a16="http://schemas.microsoft.com/office/drawing/2014/main" id="{5215A95E-1A6C-4BDB-A77F-66B9DA3EF616}"/>
               </a:ext>
             </a:extLst>
           </p:cNvPr>
@@ -5905,7 +5888,7 @@
           <a:p>
             <a:r>
               <a:rPr lang="en-US" dirty="0"/>
-              <a:t>The Objective</a:t>
+              <a:t>Technical Architecture</a:t>
             </a:r>
           </a:p>
         </p:txBody>
@@ -5915,7 +5898,7 @@
           <p:cNvPr id="3" name="Content Placeholder 2">
             <a:extLst>
               <a:ext uri="{FF2B5EF4-FFF2-40B4-BE49-F238E27FC236}">
-                <a16:creationId xmlns:a16="http://schemas.microsoft.com/office/drawing/2014/main" xmlns="" id="{3DAA9900-5556-47AD-A457-A542F9FEE028}"/>
+                <a16:creationId xmlns="" xmlns:a16="http://schemas.microsoft.com/office/drawing/2014/main" id="{3DAA9900-5556-47AD-A457-A542F9FEE028}"/>
               </a:ext>
             </a:extLst>
           </p:cNvPr>
@@ -5928,7 +5911,7 @@
         </p:nvSpPr>
         <p:spPr>
           <a:xfrm>
-            <a:off x="684212" y="990605"/>
+            <a:off x="684212" y="1843314"/>
             <a:ext cx="8534400" cy="3615267"/>
           </a:xfrm>
         </p:spPr>
@@ -5940,6 +5923,22 @@
               <a:buFont typeface="Arial" panose="020B0604020202020204" pitchFamily="34" charset="0"/>
               <a:buChar char="•"/>
             </a:pPr>
+            <a:r>
+              <a:rPr lang="en-US" dirty="0">
+                <a:solidFill>
+                  <a:schemeClr val="tx1"/>
+                </a:solidFill>
+              </a:rPr>
+              <a:t>Software: Android Studio, Adobe Photoshop</a:t>
+            </a:r>
+            <a:r>
+              <a:rPr lang="en-US" dirty="0" smtClean="0">
+                <a:solidFill>
+                  <a:schemeClr val="tx1"/>
+                </a:solidFill>
+              </a:rPr>
+              <a:t>, </a:t>
+            </a:r>
             <a:endParaRPr lang="en-US" dirty="0">
               <a:solidFill>
                 <a:schemeClr val="tx1"/>
@@ -5957,7 +5956,7 @@
                   <a:schemeClr val="tx1"/>
                 </a:solidFill>
               </a:rPr>
-              <a:t>To engage and motivate children </a:t>
+              <a:t>Languages: Java, </a:t>
             </a:r>
             <a:r>
               <a:rPr lang="en-US" dirty="0" smtClean="0">
@@ -5965,21 +5964,8 @@
                   <a:schemeClr val="tx1"/>
                 </a:solidFill>
               </a:rPr>
-              <a:t>(grades k-12</a:t>
-            </a:r>
-            <a:r>
-              <a:rPr lang="en-US" dirty="0">
-                <a:solidFill>
-                  <a:schemeClr val="tx1"/>
-                </a:solidFill>
-              </a:rPr>
-              <a:t>) to become aware of the detrimental human impacts on the marine environment so they can learn to keep the world a better place.</a:t>
-            </a:r>
-          </a:p>
-          <a:p>
-            <a:pPr marL="0" indent="0">
-              <a:buNone/>
-            </a:pPr>
+              <a:t>XML</a:t>
+            </a:r>
             <a:endParaRPr lang="en-US" dirty="0">
               <a:solidFill>
                 <a:schemeClr val="tx1"/>
@@ -5991,14 +5977,191 @@
               <a:buFont typeface="Arial" panose="020B0604020202020204" pitchFamily="34" charset="0"/>
               <a:buChar char="•"/>
             </a:pPr>
+            <a:r>
+              <a:rPr lang="en-US" dirty="0">
+                <a:solidFill>
+                  <a:schemeClr val="tx1"/>
+                </a:solidFill>
+              </a:rPr>
+              <a:t>Tools: GitHub, Bash Scripting, </a:t>
+            </a:r>
+            <a:r>
+              <a:rPr lang="en-US" dirty="0" err="1">
+                <a:solidFill>
+                  <a:schemeClr val="tx1"/>
+                </a:solidFill>
+              </a:rPr>
+              <a:t>FireBase</a:t>
+            </a:r>
+            <a:endParaRPr lang="en-US" dirty="0">
+              <a:solidFill>
+                <a:schemeClr val="tx1"/>
+              </a:solidFill>
+            </a:endParaRPr>
+          </a:p>
+          <a:p>
+            <a:pPr>
+              <a:buFont typeface="Arial" panose="020B0604020202020204" pitchFamily="34" charset="0"/>
+              <a:buChar char="•"/>
+            </a:pPr>
             <a:endParaRPr lang="en-US" dirty="0"/>
           </a:p>
         </p:txBody>
       </p:sp>
+      <p:pic>
+        <p:nvPicPr>
+          <p:cNvPr id="7" name="Picture 6"/>
+          <p:cNvPicPr>
+            <a:picLocks noChangeAspect="1"/>
+          </p:cNvPicPr>
+          <p:nvPr/>
+        </p:nvPicPr>
+        <p:blipFill>
+          <a:blip r:embed="rId2">
+            <a:extLst>
+              <a:ext uri="{28A0092B-C50C-407E-A947-70E740481C1C}">
+                <a14:useLocalDpi xmlns:a14="http://schemas.microsoft.com/office/drawing/2010/main" val="0"/>
+              </a:ext>
+            </a:extLst>
+          </a:blip>
+          <a:stretch>
+            <a:fillRect/>
+          </a:stretch>
+        </p:blipFill>
+        <p:spPr>
+          <a:xfrm>
+            <a:off x="5639846" y="5063346"/>
+            <a:ext cx="1745692" cy="1745692"/>
+          </a:xfrm>
+          <a:prstGeom prst="rect">
+            <a:avLst/>
+          </a:prstGeom>
+        </p:spPr>
+      </p:pic>
+      <p:pic>
+        <p:nvPicPr>
+          <p:cNvPr id="8" name="Picture 7"/>
+          <p:cNvPicPr>
+            <a:picLocks noChangeAspect="1"/>
+          </p:cNvPicPr>
+          <p:nvPr/>
+        </p:nvPicPr>
+        <p:blipFill>
+          <a:blip r:embed="rId3">
+            <a:extLst>
+              <a:ext uri="{28A0092B-C50C-407E-A947-70E740481C1C}">
+                <a14:useLocalDpi xmlns:a14="http://schemas.microsoft.com/office/drawing/2010/main" val="0"/>
+              </a:ext>
+            </a:extLst>
+          </a:blip>
+          <a:stretch>
+            <a:fillRect/>
+          </a:stretch>
+        </p:blipFill>
+        <p:spPr>
+          <a:xfrm>
+            <a:off x="1627833" y="5063346"/>
+            <a:ext cx="1446963" cy="1446963"/>
+          </a:xfrm>
+          <a:prstGeom prst="rect">
+            <a:avLst/>
+          </a:prstGeom>
+        </p:spPr>
+      </p:pic>
+      <p:pic>
+        <p:nvPicPr>
+          <p:cNvPr id="9" name="Picture 8"/>
+          <p:cNvPicPr>
+            <a:picLocks noChangeAspect="1"/>
+          </p:cNvPicPr>
+          <p:nvPr/>
+        </p:nvPicPr>
+        <p:blipFill>
+          <a:blip r:embed="rId4">
+            <a:extLst>
+              <a:ext uri="{28A0092B-C50C-407E-A947-70E740481C1C}">
+                <a14:useLocalDpi xmlns:a14="http://schemas.microsoft.com/office/drawing/2010/main" val="0"/>
+              </a:ext>
+            </a:extLst>
+          </a:blip>
+          <a:stretch>
+            <a:fillRect/>
+          </a:stretch>
+        </p:blipFill>
+        <p:spPr>
+          <a:xfrm>
+            <a:off x="3278484" y="5063346"/>
+            <a:ext cx="2157674" cy="2157674"/>
+          </a:xfrm>
+          <a:prstGeom prst="rect">
+            <a:avLst/>
+          </a:prstGeom>
+        </p:spPr>
+      </p:pic>
+      <p:pic>
+        <p:nvPicPr>
+          <p:cNvPr id="11" name="Picture 10"/>
+          <p:cNvPicPr>
+            <a:picLocks noChangeAspect="1"/>
+          </p:cNvPicPr>
+          <p:nvPr/>
+        </p:nvPicPr>
+        <p:blipFill>
+          <a:blip r:embed="rId5">
+            <a:extLst>
+              <a:ext uri="{28A0092B-C50C-407E-A947-70E740481C1C}">
+                <a14:useLocalDpi xmlns:a14="http://schemas.microsoft.com/office/drawing/2010/main" val="0"/>
+              </a:ext>
+            </a:extLst>
+          </a:blip>
+          <a:stretch>
+            <a:fillRect/>
+          </a:stretch>
+        </p:blipFill>
+        <p:spPr>
+          <a:xfrm>
+            <a:off x="7772510" y="333452"/>
+            <a:ext cx="4574333" cy="4574333"/>
+          </a:xfrm>
+          <a:prstGeom prst="rect">
+            <a:avLst/>
+          </a:prstGeom>
+        </p:spPr>
+      </p:pic>
+      <p:pic>
+        <p:nvPicPr>
+          <p:cNvPr id="10" name="Picture 9"/>
+          <p:cNvPicPr>
+            <a:picLocks noChangeAspect="1"/>
+          </p:cNvPicPr>
+          <p:nvPr/>
+        </p:nvPicPr>
+        <p:blipFill>
+          <a:blip r:embed="rId6">
+            <a:extLst>
+              <a:ext uri="{28A0092B-C50C-407E-A947-70E740481C1C}">
+                <a14:useLocalDpi xmlns:a14="http://schemas.microsoft.com/office/drawing/2010/main" val="0"/>
+              </a:ext>
+            </a:extLst>
+          </a:blip>
+          <a:stretch>
+            <a:fillRect/>
+          </a:stretch>
+        </p:blipFill>
+        <p:spPr>
+          <a:xfrm>
+            <a:off x="6658003" y="1015191"/>
+            <a:ext cx="4574333" cy="4574333"/>
+          </a:xfrm>
+          <a:prstGeom prst="rect">
+            <a:avLst/>
+          </a:prstGeom>
+        </p:spPr>
+      </p:pic>
     </p:spTree>
     <p:extLst>
       <p:ext uri="{BB962C8B-B14F-4D97-AF65-F5344CB8AC3E}">
-        <p14:creationId xmlns:p14="http://schemas.microsoft.com/office/powerpoint/2010/main" val="3415550189"/>
+        <p14:creationId xmlns:p14="http://schemas.microsoft.com/office/powerpoint/2010/main" val="923800845"/>
       </p:ext>
     </p:extLst>
   </p:cSld>
@@ -6027,838 +6190,6 @@
       </p:grpSpPr>
       <p:sp>
         <p:nvSpPr>
-          <p:cNvPr id="2" name="Title 1">
-            <a:extLst>
-              <a:ext uri="{FF2B5EF4-FFF2-40B4-BE49-F238E27FC236}">
-                <a16:creationId xmlns:a16="http://schemas.microsoft.com/office/drawing/2014/main" xmlns="" id="{5215A95E-1A6C-4BDB-A77F-66B9DA3EF616}"/>
-              </a:ext>
-            </a:extLst>
-          </p:cNvPr>
-          <p:cNvSpPr>
-            <a:spLocks noGrp="1"/>
-          </p:cNvSpPr>
-          <p:nvPr>
-            <p:ph type="title"/>
-          </p:nvPr>
-        </p:nvSpPr>
-        <p:spPr>
-          <a:xfrm>
-            <a:off x="684212" y="336247"/>
-            <a:ext cx="8534400" cy="1507067"/>
-          </a:xfrm>
-        </p:spPr>
-        <p:txBody>
-          <a:bodyPr/>
-          <a:lstStyle/>
-          <a:p>
-            <a:r>
-              <a:rPr lang="en-US" dirty="0"/>
-              <a:t>Solution to the challenge</a:t>
-            </a:r>
-          </a:p>
-        </p:txBody>
-      </p:sp>
-      <p:sp>
-        <p:nvSpPr>
-          <p:cNvPr id="3" name="Content Placeholder 2">
-            <a:extLst>
-              <a:ext uri="{FF2B5EF4-FFF2-40B4-BE49-F238E27FC236}">
-                <a16:creationId xmlns:a16="http://schemas.microsoft.com/office/drawing/2014/main" xmlns="" id="{3DAA9900-5556-47AD-A457-A542F9FEE028}"/>
-              </a:ext>
-            </a:extLst>
-          </p:cNvPr>
-          <p:cNvSpPr>
-            <a:spLocks noGrp="1"/>
-          </p:cNvSpPr>
-          <p:nvPr>
-            <p:ph idx="1"/>
-          </p:nvPr>
-        </p:nvSpPr>
-        <p:spPr>
-          <a:xfrm>
-            <a:off x="684212" y="1089780"/>
-            <a:ext cx="8534400" cy="3615267"/>
-          </a:xfrm>
-        </p:spPr>
-        <p:txBody>
-          <a:bodyPr/>
-          <a:lstStyle/>
-          <a:p>
-            <a:pPr marL="0" indent="0">
-              <a:buNone/>
-            </a:pPr>
-            <a:endParaRPr lang="en-US" dirty="0">
-              <a:solidFill>
-                <a:schemeClr val="tx1"/>
-              </a:solidFill>
-            </a:endParaRPr>
-          </a:p>
-          <a:p>
-            <a:pPr>
-              <a:buFont typeface="Arial" panose="020B0604020202020204" pitchFamily="34" charset="0"/>
-              <a:buChar char="•"/>
-            </a:pPr>
-            <a:r>
-              <a:rPr lang="en-US" dirty="0">
-                <a:solidFill>
-                  <a:schemeClr val="tx1"/>
-                </a:solidFill>
-              </a:rPr>
-              <a:t>To develop </a:t>
-            </a:r>
-            <a:r>
-              <a:rPr lang="en-US" dirty="0" smtClean="0">
-                <a:solidFill>
-                  <a:schemeClr val="tx1"/>
-                </a:solidFill>
-              </a:rPr>
-              <a:t>an application on the mobile platform </a:t>
-            </a:r>
-            <a:r>
-              <a:rPr lang="en-US" dirty="0">
-                <a:solidFill>
-                  <a:schemeClr val="tx1"/>
-                </a:solidFill>
-              </a:rPr>
-              <a:t>to educate and encourage </a:t>
-            </a:r>
-            <a:r>
-              <a:rPr lang="en-US" dirty="0" smtClean="0">
-                <a:solidFill>
-                  <a:schemeClr val="tx1"/>
-                </a:solidFill>
-              </a:rPr>
-              <a:t>children( </a:t>
-            </a:r>
-            <a:r>
-              <a:rPr lang="en-US" dirty="0" smtClean="0">
-                <a:solidFill>
-                  <a:schemeClr val="tx1"/>
-                </a:solidFill>
-              </a:rPr>
-              <a:t>k-12 )</a:t>
-            </a:r>
-            <a:r>
-              <a:rPr lang="en-US" dirty="0" smtClean="0">
-                <a:solidFill>
-                  <a:schemeClr val="tx1"/>
-                </a:solidFill>
-              </a:rPr>
-              <a:t>to </a:t>
-            </a:r>
-            <a:r>
-              <a:rPr lang="en-US" dirty="0">
-                <a:solidFill>
-                  <a:schemeClr val="tx1"/>
-                </a:solidFill>
-              </a:rPr>
-              <a:t>take initiative towards protecting the marine life ecosystem from pollution through positive reinforcement. </a:t>
-            </a:r>
-          </a:p>
-          <a:p>
-            <a:pPr>
-              <a:buFont typeface="Arial" panose="020B0604020202020204" pitchFamily="34" charset="0"/>
-              <a:buChar char="•"/>
-            </a:pPr>
-            <a:endParaRPr lang="en-US" dirty="0"/>
-          </a:p>
-        </p:txBody>
-      </p:sp>
-    </p:spTree>
-    <p:extLst>
-      <p:ext uri="{BB962C8B-B14F-4D97-AF65-F5344CB8AC3E}">
-        <p14:creationId xmlns:p14="http://schemas.microsoft.com/office/powerpoint/2010/main" val="2710619510"/>
-      </p:ext>
-    </p:extLst>
-  </p:cSld>
-  <p:clrMapOvr>
-    <a:masterClrMapping/>
-  </p:clrMapOvr>
-</p:sld>
-</file>
-
-<file path=ppt/slides/slide5.xml><?xml version="1.0" encoding="utf-8"?>
-<p:sld xmlns:a="http://schemas.openxmlformats.org/drawingml/2006/main" xmlns:r="http://schemas.openxmlformats.org/officeDocument/2006/relationships" xmlns:p="http://schemas.openxmlformats.org/presentationml/2006/main">
-  <p:cSld>
-    <p:spTree>
-      <p:nvGrpSpPr>
-        <p:cNvPr id="1" name=""/>
-        <p:cNvGrpSpPr/>
-        <p:nvPr/>
-      </p:nvGrpSpPr>
-      <p:grpSpPr>
-        <a:xfrm>
-          <a:off x="0" y="0"/>
-          <a:ext cx="0" cy="0"/>
-          <a:chOff x="0" y="0"/>
-          <a:chExt cx="0" cy="0"/>
-        </a:xfrm>
-      </p:grpSpPr>
-      <p:sp>
-        <p:nvSpPr>
-          <p:cNvPr id="2" name="Title 1">
-            <a:extLst>
-              <a:ext uri="{FF2B5EF4-FFF2-40B4-BE49-F238E27FC236}">
-                <a16:creationId xmlns:a16="http://schemas.microsoft.com/office/drawing/2014/main" xmlns="" id="{5215A95E-1A6C-4BDB-A77F-66B9DA3EF616}"/>
-              </a:ext>
-            </a:extLst>
-          </p:cNvPr>
-          <p:cNvSpPr>
-            <a:spLocks noGrp="1"/>
-          </p:cNvSpPr>
-          <p:nvPr>
-            <p:ph type="title"/>
-          </p:nvPr>
-        </p:nvSpPr>
-        <p:spPr>
-          <a:xfrm>
-            <a:off x="684212" y="336247"/>
-            <a:ext cx="8534400" cy="1507067"/>
-          </a:xfrm>
-        </p:spPr>
-        <p:txBody>
-          <a:bodyPr/>
-          <a:lstStyle/>
-          <a:p>
-            <a:r>
-              <a:rPr lang="en-US" dirty="0" smtClean="0"/>
-              <a:t>Our Solution </a:t>
-            </a:r>
-            <a:r>
-              <a:rPr lang="en-US" dirty="0"/>
-              <a:t>to the challenge</a:t>
-            </a:r>
-          </a:p>
-        </p:txBody>
-      </p:sp>
-      <p:sp>
-        <p:nvSpPr>
-          <p:cNvPr id="3" name="Content Placeholder 2">
-            <a:extLst>
-              <a:ext uri="{FF2B5EF4-FFF2-40B4-BE49-F238E27FC236}">
-                <a16:creationId xmlns:a16="http://schemas.microsoft.com/office/drawing/2014/main" xmlns="" id="{3DAA9900-5556-47AD-A457-A542F9FEE028}"/>
-              </a:ext>
-            </a:extLst>
-          </p:cNvPr>
-          <p:cNvSpPr>
-            <a:spLocks noGrp="1"/>
-          </p:cNvSpPr>
-          <p:nvPr>
-            <p:ph idx="1"/>
-          </p:nvPr>
-        </p:nvSpPr>
-        <p:spPr>
-          <a:xfrm>
-            <a:off x="684212" y="1089780"/>
-            <a:ext cx="8534400" cy="3615267"/>
-          </a:xfrm>
-        </p:spPr>
-        <p:txBody>
-          <a:bodyPr/>
-          <a:lstStyle/>
-          <a:p>
-            <a:pPr>
-              <a:buFont typeface="Arial" panose="020B0604020202020204" pitchFamily="34" charset="0"/>
-              <a:buChar char="•"/>
-            </a:pPr>
-            <a:r>
-              <a:rPr lang="en-US" dirty="0" smtClean="0">
-                <a:solidFill>
-                  <a:schemeClr val="tx1"/>
-                </a:solidFill>
-              </a:rPr>
-              <a:t>An android based game </a:t>
-            </a:r>
-          </a:p>
-          <a:p>
-            <a:pPr>
-              <a:buFont typeface="Arial" panose="020B0604020202020204" pitchFamily="34" charset="0"/>
-              <a:buChar char="•"/>
-            </a:pPr>
-            <a:r>
-              <a:rPr lang="en-US" dirty="0" err="1" smtClean="0">
-                <a:solidFill>
-                  <a:schemeClr val="tx1"/>
-                </a:solidFill>
-              </a:rPr>
-              <a:t>FinFun</a:t>
-            </a:r>
-            <a:endParaRPr lang="en-US" dirty="0">
-              <a:solidFill>
-                <a:schemeClr val="tx1"/>
-              </a:solidFill>
-            </a:endParaRPr>
-          </a:p>
-          <a:p>
-            <a:pPr>
-              <a:buFont typeface="Arial" panose="020B0604020202020204" pitchFamily="34" charset="0"/>
-              <a:buChar char="•"/>
-            </a:pPr>
-            <a:r>
-              <a:rPr lang="en-US" dirty="0">
-                <a:solidFill>
-                  <a:schemeClr val="tx1"/>
-                </a:solidFill>
-              </a:rPr>
-              <a:t>Background, Rules, Features and Modifications</a:t>
-            </a:r>
-          </a:p>
-          <a:p>
-            <a:pPr>
-              <a:buFont typeface="Arial" panose="020B0604020202020204" pitchFamily="34" charset="0"/>
-              <a:buChar char="•"/>
-            </a:pPr>
-            <a:endParaRPr lang="en-US" dirty="0"/>
-          </a:p>
-        </p:txBody>
-      </p:sp>
-    </p:spTree>
-    <p:extLst>
-      <p:ext uri="{BB962C8B-B14F-4D97-AF65-F5344CB8AC3E}">
-        <p14:creationId xmlns:p14="http://schemas.microsoft.com/office/powerpoint/2010/main" val="1662710767"/>
-      </p:ext>
-    </p:extLst>
-  </p:cSld>
-  <p:clrMapOvr>
-    <a:masterClrMapping/>
-  </p:clrMapOvr>
-</p:sld>
-</file>
-
-<file path=ppt/slides/slide6.xml><?xml version="1.0" encoding="utf-8"?>
-<p:sld xmlns:a="http://schemas.openxmlformats.org/drawingml/2006/main" xmlns:r="http://schemas.openxmlformats.org/officeDocument/2006/relationships" xmlns:p="http://schemas.openxmlformats.org/presentationml/2006/main">
-  <p:cSld>
-    <p:spTree>
-      <p:nvGrpSpPr>
-        <p:cNvPr id="1" name=""/>
-        <p:cNvGrpSpPr/>
-        <p:nvPr/>
-      </p:nvGrpSpPr>
-      <p:grpSpPr>
-        <a:xfrm>
-          <a:off x="0" y="0"/>
-          <a:ext cx="0" cy="0"/>
-          <a:chOff x="0" y="0"/>
-          <a:chExt cx="0" cy="0"/>
-        </a:xfrm>
-      </p:grpSpPr>
-      <p:sp>
-        <p:nvSpPr>
-          <p:cNvPr id="2" name="Title 1">
-            <a:extLst>
-              <a:ext uri="{FF2B5EF4-FFF2-40B4-BE49-F238E27FC236}">
-                <a16:creationId xmlns:a16="http://schemas.microsoft.com/office/drawing/2014/main" xmlns="" id="{5215A95E-1A6C-4BDB-A77F-66B9DA3EF616}"/>
-              </a:ext>
-            </a:extLst>
-          </p:cNvPr>
-          <p:cNvSpPr>
-            <a:spLocks noGrp="1"/>
-          </p:cNvSpPr>
-          <p:nvPr>
-            <p:ph type="title"/>
-          </p:nvPr>
-        </p:nvSpPr>
-        <p:spPr>
-          <a:xfrm>
-            <a:off x="684212" y="336247"/>
-            <a:ext cx="8534400" cy="1507067"/>
-          </a:xfrm>
-        </p:spPr>
-        <p:txBody>
-          <a:bodyPr/>
-          <a:lstStyle/>
-          <a:p>
-            <a:r>
-              <a:rPr lang="en-US" dirty="0"/>
-              <a:t>Teamwork</a:t>
-            </a:r>
-          </a:p>
-        </p:txBody>
-      </p:sp>
-      <p:sp>
-        <p:nvSpPr>
-          <p:cNvPr id="3" name="Content Placeholder 2">
-            <a:extLst>
-              <a:ext uri="{FF2B5EF4-FFF2-40B4-BE49-F238E27FC236}">
-                <a16:creationId xmlns:a16="http://schemas.microsoft.com/office/drawing/2014/main" xmlns="" id="{3DAA9900-5556-47AD-A457-A542F9FEE028}"/>
-              </a:ext>
-            </a:extLst>
-          </p:cNvPr>
-          <p:cNvSpPr>
-            <a:spLocks noGrp="1"/>
-          </p:cNvSpPr>
-          <p:nvPr>
-            <p:ph idx="1"/>
-          </p:nvPr>
-        </p:nvSpPr>
-        <p:spPr>
-          <a:xfrm>
-            <a:off x="684212" y="1621366"/>
-            <a:ext cx="8534400" cy="3615267"/>
-          </a:xfrm>
-        </p:spPr>
-        <p:txBody>
-          <a:bodyPr>
-            <a:normAutofit lnSpcReduction="10000"/>
-          </a:bodyPr>
-          <a:lstStyle/>
-          <a:p>
-            <a:pPr marL="0" indent="0">
-              <a:buNone/>
-            </a:pPr>
-            <a:endParaRPr lang="en-US" dirty="0">
-              <a:solidFill>
-                <a:schemeClr val="tx1"/>
-              </a:solidFill>
-            </a:endParaRPr>
-          </a:p>
-          <a:p>
-            <a:pPr>
-              <a:buFont typeface="Arial" panose="020B0604020202020204" pitchFamily="34" charset="0"/>
-              <a:buChar char="•"/>
-            </a:pPr>
-            <a:r>
-              <a:rPr lang="en-US" dirty="0">
-                <a:solidFill>
-                  <a:schemeClr val="tx1"/>
-                </a:solidFill>
-              </a:rPr>
-              <a:t>Rahul: </a:t>
-            </a:r>
-          </a:p>
-          <a:p>
-            <a:pPr>
-              <a:buFont typeface="Arial" panose="020B0604020202020204" pitchFamily="34" charset="0"/>
-              <a:buChar char="•"/>
-            </a:pPr>
-            <a:r>
-              <a:rPr lang="en-US" dirty="0">
-                <a:solidFill>
-                  <a:schemeClr val="tx1"/>
-                </a:solidFill>
-              </a:rPr>
-              <a:t>David: </a:t>
-            </a:r>
-          </a:p>
-          <a:p>
-            <a:pPr>
-              <a:buFont typeface="Arial" panose="020B0604020202020204" pitchFamily="34" charset="0"/>
-              <a:buChar char="•"/>
-            </a:pPr>
-            <a:r>
-              <a:rPr lang="en-US" dirty="0" err="1">
-                <a:solidFill>
-                  <a:schemeClr val="tx1"/>
-                </a:solidFill>
-              </a:rPr>
-              <a:t>Sanjeeth</a:t>
-            </a:r>
-            <a:r>
-              <a:rPr lang="en-US" dirty="0">
-                <a:solidFill>
-                  <a:schemeClr val="tx1"/>
-                </a:solidFill>
-              </a:rPr>
-              <a:t>: Worked on application screen navigation code and the app’s reward system for the user</a:t>
-            </a:r>
-          </a:p>
-          <a:p>
-            <a:pPr>
-              <a:buFont typeface="Arial" panose="020B0604020202020204" pitchFamily="34" charset="0"/>
-              <a:buChar char="•"/>
-            </a:pPr>
-            <a:r>
-              <a:rPr lang="en-US" dirty="0" err="1">
-                <a:solidFill>
-                  <a:schemeClr val="tx1"/>
-                </a:solidFill>
-              </a:rPr>
-              <a:t>Sreejhit</a:t>
-            </a:r>
-            <a:r>
-              <a:rPr lang="en-US" dirty="0">
-                <a:solidFill>
-                  <a:schemeClr val="tx1"/>
-                </a:solidFill>
-              </a:rPr>
-              <a:t>: Worked on screen navigation, visual display organization, UI/UX, and presentation.</a:t>
-            </a:r>
-          </a:p>
-          <a:p>
-            <a:pPr>
-              <a:buFont typeface="Arial" panose="020B0604020202020204" pitchFamily="34" charset="0"/>
-              <a:buChar char="•"/>
-            </a:pPr>
-            <a:r>
-              <a:rPr lang="en-US" dirty="0">
-                <a:solidFill>
-                  <a:schemeClr val="tx1"/>
-                </a:solidFill>
-              </a:rPr>
-              <a:t>Junior: </a:t>
-            </a:r>
-          </a:p>
-          <a:p>
-            <a:pPr>
-              <a:buFont typeface="Arial" panose="020B0604020202020204" pitchFamily="34" charset="0"/>
-              <a:buChar char="•"/>
-            </a:pPr>
-            <a:r>
-              <a:rPr lang="en-US" dirty="0">
-                <a:solidFill>
-                  <a:schemeClr val="tx1"/>
-                </a:solidFill>
-              </a:rPr>
-              <a:t>Rachel: Created game figures using Adobe Photoshop</a:t>
-            </a:r>
-          </a:p>
-          <a:p>
-            <a:pPr>
-              <a:buFont typeface="Arial" panose="020B0604020202020204" pitchFamily="34" charset="0"/>
-              <a:buChar char="•"/>
-            </a:pPr>
-            <a:endParaRPr lang="en-US" dirty="0">
-              <a:solidFill>
-                <a:schemeClr val="tx1"/>
-              </a:solidFill>
-            </a:endParaRPr>
-          </a:p>
-          <a:p>
-            <a:pPr>
-              <a:buFont typeface="Arial" panose="020B0604020202020204" pitchFamily="34" charset="0"/>
-              <a:buChar char="•"/>
-            </a:pPr>
-            <a:endParaRPr lang="en-US" dirty="0">
-              <a:solidFill>
-                <a:schemeClr val="tx1"/>
-              </a:solidFill>
-            </a:endParaRPr>
-          </a:p>
-          <a:p>
-            <a:pPr>
-              <a:buFont typeface="Arial" panose="020B0604020202020204" pitchFamily="34" charset="0"/>
-              <a:buChar char="•"/>
-            </a:pPr>
-            <a:endParaRPr lang="en-US" dirty="0"/>
-          </a:p>
-        </p:txBody>
-      </p:sp>
-    </p:spTree>
-    <p:extLst>
-      <p:ext uri="{BB962C8B-B14F-4D97-AF65-F5344CB8AC3E}">
-        <p14:creationId xmlns:p14="http://schemas.microsoft.com/office/powerpoint/2010/main" val="3235948501"/>
-      </p:ext>
-    </p:extLst>
-  </p:cSld>
-  <p:clrMapOvr>
-    <a:masterClrMapping/>
-  </p:clrMapOvr>
-</p:sld>
-</file>
-
-<file path=ppt/slides/slide7.xml><?xml version="1.0" encoding="utf-8"?>
-<p:sld xmlns:a="http://schemas.openxmlformats.org/drawingml/2006/main" xmlns:r="http://schemas.openxmlformats.org/officeDocument/2006/relationships" xmlns:p="http://schemas.openxmlformats.org/presentationml/2006/main">
-  <p:cSld>
-    <p:spTree>
-      <p:nvGrpSpPr>
-        <p:cNvPr id="1" name=""/>
-        <p:cNvGrpSpPr/>
-        <p:nvPr/>
-      </p:nvGrpSpPr>
-      <p:grpSpPr>
-        <a:xfrm>
-          <a:off x="0" y="0"/>
-          <a:ext cx="0" cy="0"/>
-          <a:chOff x="0" y="0"/>
-          <a:chExt cx="0" cy="0"/>
-        </a:xfrm>
-      </p:grpSpPr>
-      <p:sp>
-        <p:nvSpPr>
-          <p:cNvPr id="2" name="Title 1">
-            <a:extLst>
-              <a:ext uri="{FF2B5EF4-FFF2-40B4-BE49-F238E27FC236}">
-                <a16:creationId xmlns:a16="http://schemas.microsoft.com/office/drawing/2014/main" xmlns="" id="{5215A95E-1A6C-4BDB-A77F-66B9DA3EF616}"/>
-              </a:ext>
-            </a:extLst>
-          </p:cNvPr>
-          <p:cNvSpPr>
-            <a:spLocks noGrp="1"/>
-          </p:cNvSpPr>
-          <p:nvPr>
-            <p:ph type="title"/>
-          </p:nvPr>
-        </p:nvSpPr>
-        <p:spPr>
-          <a:xfrm>
-            <a:off x="684212" y="336247"/>
-            <a:ext cx="8534400" cy="1507067"/>
-          </a:xfrm>
-        </p:spPr>
-        <p:txBody>
-          <a:bodyPr/>
-          <a:lstStyle/>
-          <a:p>
-            <a:r>
-              <a:rPr lang="en-US" dirty="0"/>
-              <a:t>Technical Architecture</a:t>
-            </a:r>
-          </a:p>
-        </p:txBody>
-      </p:sp>
-      <p:sp>
-        <p:nvSpPr>
-          <p:cNvPr id="3" name="Content Placeholder 2">
-            <a:extLst>
-              <a:ext uri="{FF2B5EF4-FFF2-40B4-BE49-F238E27FC236}">
-                <a16:creationId xmlns:a16="http://schemas.microsoft.com/office/drawing/2014/main" xmlns="" id="{3DAA9900-5556-47AD-A457-A542F9FEE028}"/>
-              </a:ext>
-            </a:extLst>
-          </p:cNvPr>
-          <p:cNvSpPr>
-            <a:spLocks noGrp="1"/>
-          </p:cNvSpPr>
-          <p:nvPr>
-            <p:ph idx="1"/>
-          </p:nvPr>
-        </p:nvSpPr>
-        <p:spPr>
-          <a:xfrm>
-            <a:off x="684212" y="1843314"/>
-            <a:ext cx="8534400" cy="3615267"/>
-          </a:xfrm>
-        </p:spPr>
-        <p:txBody>
-          <a:bodyPr/>
-          <a:lstStyle/>
-          <a:p>
-            <a:pPr>
-              <a:buFont typeface="Arial" panose="020B0604020202020204" pitchFamily="34" charset="0"/>
-              <a:buChar char="•"/>
-            </a:pPr>
-            <a:r>
-              <a:rPr lang="en-US" dirty="0">
-                <a:solidFill>
-                  <a:schemeClr val="tx1"/>
-                </a:solidFill>
-              </a:rPr>
-              <a:t>Software: Android Studio, Adobe Photoshop, </a:t>
-            </a:r>
-          </a:p>
-          <a:p>
-            <a:pPr>
-              <a:buFont typeface="Arial" panose="020B0604020202020204" pitchFamily="34" charset="0"/>
-              <a:buChar char="•"/>
-            </a:pPr>
-            <a:r>
-              <a:rPr lang="en-US" dirty="0">
-                <a:solidFill>
-                  <a:schemeClr val="tx1"/>
-                </a:solidFill>
-              </a:rPr>
-              <a:t>Languages: Java, XML</a:t>
-            </a:r>
-          </a:p>
-          <a:p>
-            <a:pPr>
-              <a:buFont typeface="Arial" panose="020B0604020202020204" pitchFamily="34" charset="0"/>
-              <a:buChar char="•"/>
-            </a:pPr>
-            <a:r>
-              <a:rPr lang="en-US" dirty="0">
-                <a:solidFill>
-                  <a:schemeClr val="tx1"/>
-                </a:solidFill>
-              </a:rPr>
-              <a:t>Tools: GitHub, Bash Scripting, </a:t>
-            </a:r>
-            <a:r>
-              <a:rPr lang="en-US" dirty="0" err="1">
-                <a:solidFill>
-                  <a:schemeClr val="tx1"/>
-                </a:solidFill>
-              </a:rPr>
-              <a:t>FireBase</a:t>
-            </a:r>
-            <a:endParaRPr lang="en-US" dirty="0">
-              <a:solidFill>
-                <a:schemeClr val="tx1"/>
-              </a:solidFill>
-            </a:endParaRPr>
-          </a:p>
-          <a:p>
-            <a:pPr>
-              <a:buFont typeface="Arial" panose="020B0604020202020204" pitchFamily="34" charset="0"/>
-              <a:buChar char="•"/>
-            </a:pPr>
-            <a:endParaRPr lang="en-US" dirty="0"/>
-          </a:p>
-        </p:txBody>
-      </p:sp>
-    </p:spTree>
-    <p:extLst>
-      <p:ext uri="{BB962C8B-B14F-4D97-AF65-F5344CB8AC3E}">
-        <p14:creationId xmlns:p14="http://schemas.microsoft.com/office/powerpoint/2010/main" val="923800845"/>
-      </p:ext>
-    </p:extLst>
-  </p:cSld>
-  <p:clrMapOvr>
-    <a:masterClrMapping/>
-  </p:clrMapOvr>
-</p:sld>
-</file>
-
-<file path=ppt/slides/slide8.xml><?xml version="1.0" encoding="utf-8"?>
-<p:sld xmlns:a="http://schemas.openxmlformats.org/drawingml/2006/main" xmlns:r="http://schemas.openxmlformats.org/officeDocument/2006/relationships" xmlns:p="http://schemas.openxmlformats.org/presentationml/2006/main">
-  <p:cSld>
-    <p:spTree>
-      <p:nvGrpSpPr>
-        <p:cNvPr id="1" name=""/>
-        <p:cNvGrpSpPr/>
-        <p:nvPr/>
-      </p:nvGrpSpPr>
-      <p:grpSpPr>
-        <a:xfrm>
-          <a:off x="0" y="0"/>
-          <a:ext cx="0" cy="0"/>
-          <a:chOff x="0" y="0"/>
-          <a:chExt cx="0" cy="0"/>
-        </a:xfrm>
-      </p:grpSpPr>
-      <p:sp>
-        <p:nvSpPr>
-          <p:cNvPr id="2" name="Title 1">
-            <a:extLst>
-              <a:ext uri="{FF2B5EF4-FFF2-40B4-BE49-F238E27FC236}">
-                <a16:creationId xmlns:a16="http://schemas.microsoft.com/office/drawing/2014/main" xmlns="" id="{5215A95E-1A6C-4BDB-A77F-66B9DA3EF616}"/>
-              </a:ext>
-            </a:extLst>
-          </p:cNvPr>
-          <p:cNvSpPr>
-            <a:spLocks noGrp="1"/>
-          </p:cNvSpPr>
-          <p:nvPr>
-            <p:ph type="title"/>
-          </p:nvPr>
-        </p:nvSpPr>
-        <p:spPr>
-          <a:xfrm>
-            <a:off x="684212" y="336247"/>
-            <a:ext cx="8534400" cy="1507067"/>
-          </a:xfrm>
-        </p:spPr>
-        <p:txBody>
-          <a:bodyPr/>
-          <a:lstStyle/>
-          <a:p>
-            <a:r>
-              <a:rPr lang="en-US" dirty="0"/>
-              <a:t>Practicality and sustainability</a:t>
-            </a:r>
-          </a:p>
-        </p:txBody>
-      </p:sp>
-      <p:sp>
-        <p:nvSpPr>
-          <p:cNvPr id="3" name="Content Placeholder 2">
-            <a:extLst>
-              <a:ext uri="{FF2B5EF4-FFF2-40B4-BE49-F238E27FC236}">
-                <a16:creationId xmlns:a16="http://schemas.microsoft.com/office/drawing/2014/main" xmlns="" id="{3DAA9900-5556-47AD-A457-A542F9FEE028}"/>
-              </a:ext>
-            </a:extLst>
-          </p:cNvPr>
-          <p:cNvSpPr>
-            <a:spLocks noGrp="1"/>
-          </p:cNvSpPr>
-          <p:nvPr>
-            <p:ph idx="1"/>
-          </p:nvPr>
-        </p:nvSpPr>
-        <p:spPr>
-          <a:xfrm>
-            <a:off x="684212" y="1222829"/>
-            <a:ext cx="8534400" cy="3615267"/>
-          </a:xfrm>
-        </p:spPr>
-        <p:txBody>
-          <a:bodyPr/>
-          <a:lstStyle/>
-          <a:p>
-            <a:pPr>
-              <a:buFont typeface="Arial" panose="020B0604020202020204" pitchFamily="34" charset="0"/>
-              <a:buChar char="•"/>
-            </a:pPr>
-            <a:r>
-              <a:rPr lang="en-US" dirty="0">
-                <a:solidFill>
-                  <a:schemeClr val="tx1"/>
-                </a:solidFill>
-              </a:rPr>
-              <a:t>Moving forward, the solution to the challenge is scalable in terms of the complexity of the software and game difficulty so therefore it is bound to improve.</a:t>
-            </a:r>
-          </a:p>
-          <a:p>
-            <a:pPr lvl="1">
-              <a:buFont typeface="Arial" panose="020B0604020202020204" pitchFamily="34" charset="0"/>
-              <a:buChar char="•"/>
-            </a:pPr>
-            <a:r>
-              <a:rPr lang="en-US" dirty="0">
-                <a:solidFill>
-                  <a:schemeClr val="tx1"/>
-                </a:solidFill>
-              </a:rPr>
-              <a:t>Different levels through various characters</a:t>
-            </a:r>
-          </a:p>
-          <a:p>
-            <a:pPr lvl="1">
-              <a:buFont typeface="Arial" panose="020B0604020202020204" pitchFamily="34" charset="0"/>
-              <a:buChar char="•"/>
-            </a:pPr>
-            <a:r>
-              <a:rPr lang="en-US" dirty="0">
-                <a:solidFill>
-                  <a:schemeClr val="tx1"/>
-                </a:solidFill>
-              </a:rPr>
-              <a:t>Location-specific Augmented Reality through Unity 3D &amp; C#</a:t>
-            </a:r>
-          </a:p>
-        </p:txBody>
-      </p:sp>
-    </p:spTree>
-    <p:extLst>
-      <p:ext uri="{BB962C8B-B14F-4D97-AF65-F5344CB8AC3E}">
-        <p14:creationId xmlns:p14="http://schemas.microsoft.com/office/powerpoint/2010/main" val="863995928"/>
-      </p:ext>
-    </p:extLst>
-  </p:cSld>
-  <p:clrMapOvr>
-    <a:masterClrMapping/>
-  </p:clrMapOvr>
-</p:sld>
-</file>
-
-<file path=ppt/slides/slide9.xml><?xml version="1.0" encoding="utf-8"?>
-<p:sld xmlns:a="http://schemas.openxmlformats.org/drawingml/2006/main" xmlns:r="http://schemas.openxmlformats.org/officeDocument/2006/relationships" xmlns:p="http://schemas.openxmlformats.org/presentationml/2006/main">
-  <p:cSld>
-    <p:spTree>
-      <p:nvGrpSpPr>
-        <p:cNvPr id="1" name=""/>
-        <p:cNvGrpSpPr/>
-        <p:nvPr/>
-      </p:nvGrpSpPr>
-      <p:grpSpPr>
-        <a:xfrm>
-          <a:off x="0" y="0"/>
-          <a:ext cx="0" cy="0"/>
-          <a:chOff x="0" y="0"/>
-          <a:chExt cx="0" cy="0"/>
-        </a:xfrm>
-      </p:grpSpPr>
-      <p:sp>
-        <p:nvSpPr>
           <p:cNvPr id="2" name="Title 1"/>
           <p:cNvSpPr>
             <a:spLocks noGrp="1"/>
@@ -6895,7 +6226,7 @@
           <p:nvPr/>
         </p:nvPicPr>
         <p:blipFill>
-          <a:blip r:embed="rId2">
+          <a:blip r:embed="rId2" cstate="print">
             <a:extLst>
               <a:ext uri="{28A0092B-C50C-407E-A947-70E740481C1C}">
                 <a14:useLocalDpi xmlns:a14="http://schemas.microsoft.com/office/drawing/2010/main" val="0"/>
@@ -6925,7 +6256,7 @@
           <p:nvPr/>
         </p:nvPicPr>
         <p:blipFill>
-          <a:blip r:embed="rId3">
+          <a:blip r:embed="rId3" cstate="print">
             <a:extLst>
               <a:ext uri="{28A0092B-C50C-407E-A947-70E740481C1C}">
                 <a14:useLocalDpi xmlns:a14="http://schemas.microsoft.com/office/drawing/2010/main" val="0"/>
@@ -6955,7 +6286,7 @@
           <p:nvPr/>
         </p:nvPicPr>
         <p:blipFill>
-          <a:blip r:embed="rId4">
+          <a:blip r:embed="rId4" cstate="print">
             <a:extLst>
               <a:ext uri="{28A0092B-C50C-407E-A947-70E740481C1C}">
                 <a14:useLocalDpi xmlns:a14="http://schemas.microsoft.com/office/drawing/2010/main" val="0"/>
